--- a/Регрессионный анализ возрастных изменений моллюсков на.pptx
+++ b/Регрессионный анализ возрастных изменений моллюсков на.pptx
@@ -117,6 +117,11 @@
       </a:defRPr>
     </a:lvl9pPr>
   </p:defaultTextStyle>
+  <p:extLst>
+    <p:ext uri="{EFAFB233-063F-42B5-8137-9DF3F51BA10A}">
+      <p15:sldGuideLst xmlns:p15="http://schemas.microsoft.com/office/powerpoint/2012/main"/>
+    </p:ext>
+  </p:extLst>
 </p:presentation>
 </file>
 
@@ -7245,7 +7250,15 @@
             </a:r>
             <a:r>
               <a:rPr lang="ru-RU" dirty="0"/>
-              <a:t>0.04 </a:t>
+              <a:t>0.</a:t>
+            </a:r>
+            <a:r>
+              <a:rPr lang="en-US"/>
+              <a:t>11</a:t>
+            </a:r>
+            <a:r>
+              <a:rPr lang="ru-RU"/>
+              <a:t> </a:t>
             </a:r>
             <a:r>
               <a:rPr lang="en-US" dirty="0"/>
@@ -8004,40 +8017,6 @@
             <a:r>
               <a:rPr lang="ru-RU" dirty="0"/>
               <a:t>Более 3500 записей</a:t>
-            </a:r>
-          </a:p>
-          <a:p>
-            <a:r>
-              <a:rPr lang="ru-RU" dirty="0"/>
-              <a:t>Разделение 70</a:t>
-            </a:r>
-            <a:r>
-              <a:rPr lang="en-US" dirty="0"/>
-              <a:t>%/</a:t>
-            </a:r>
-            <a:r>
-              <a:rPr lang="ru-RU" dirty="0"/>
-              <a:t>30</a:t>
-            </a:r>
-            <a:r>
-              <a:rPr lang="en-US" dirty="0"/>
-              <a:t>% (</a:t>
-            </a:r>
-            <a:r>
-              <a:rPr lang="ru-RU" dirty="0"/>
-              <a:t>тренировочные</a:t>
-            </a:r>
-            <a:r>
-              <a:rPr lang="en-US" dirty="0"/>
-              <a:t>/</a:t>
-            </a:r>
-            <a:r>
-              <a:rPr lang="ru-RU" dirty="0"/>
-              <a:t>тестовые</a:t>
-            </a:r>
-            <a:r>
-              <a:rPr lang="en-US" dirty="0"/>
-              <a:t>)</a:t>
             </a:r>
           </a:p>
           <a:p>

--- a/Регрессионный анализ возрастных изменений моллюсков на.pptx
+++ b/Регрессионный анализ возрастных изменений моллюсков на.pptx
@@ -323,7 +323,7 @@
           <a:p>
             <a:fld id="{D59E8566-92FA-4791-AD57-2E7D668E1E22}" type="datetimeFigureOut">
               <a:rPr lang="ru-RU" smtClean="0"/>
-              <a:t>27.06.2024</a:t>
+              <a:t>09.05.2025</a:t>
             </a:fld>
             <a:endParaRPr lang="ru-RU"/>
           </a:p>
@@ -598,7 +598,7 @@
           <a:p>
             <a:fld id="{D59E8566-92FA-4791-AD57-2E7D668E1E22}" type="datetimeFigureOut">
               <a:rPr lang="ru-RU" smtClean="0"/>
-              <a:t>27.06.2024</a:t>
+              <a:t>09.05.2025</a:t>
             </a:fld>
             <a:endParaRPr lang="ru-RU"/>
           </a:p>
@@ -792,7 +792,7 @@
           <a:p>
             <a:fld id="{D59E8566-92FA-4791-AD57-2E7D668E1E22}" type="datetimeFigureOut">
               <a:rPr lang="ru-RU" smtClean="0"/>
-              <a:t>27.06.2024</a:t>
+              <a:t>09.05.2025</a:t>
             </a:fld>
             <a:endParaRPr lang="ru-RU"/>
           </a:p>
@@ -1065,7 +1065,7 @@
           <a:p>
             <a:fld id="{D59E8566-92FA-4791-AD57-2E7D668E1E22}" type="datetimeFigureOut">
               <a:rPr lang="ru-RU" smtClean="0"/>
-              <a:t>27.06.2024</a:t>
+              <a:t>09.05.2025</a:t>
             </a:fld>
             <a:endParaRPr lang="ru-RU"/>
           </a:p>
@@ -1406,7 +1406,7 @@
           <a:p>
             <a:fld id="{D59E8566-92FA-4791-AD57-2E7D668E1E22}" type="datetimeFigureOut">
               <a:rPr lang="ru-RU" smtClean="0"/>
-              <a:t>27.06.2024</a:t>
+              <a:t>09.05.2025</a:t>
             </a:fld>
             <a:endParaRPr lang="ru-RU"/>
           </a:p>
@@ -2029,7 +2029,7 @@
           <a:p>
             <a:fld id="{D59E8566-92FA-4791-AD57-2E7D668E1E22}" type="datetimeFigureOut">
               <a:rPr lang="ru-RU" smtClean="0"/>
-              <a:t>27.06.2024</a:t>
+              <a:t>09.05.2025</a:t>
             </a:fld>
             <a:endParaRPr lang="ru-RU"/>
           </a:p>
@@ -2889,7 +2889,7 @@
           <a:p>
             <a:fld id="{D59E8566-92FA-4791-AD57-2E7D668E1E22}" type="datetimeFigureOut">
               <a:rPr lang="ru-RU" smtClean="0"/>
-              <a:t>27.06.2024</a:t>
+              <a:t>09.05.2025</a:t>
             </a:fld>
             <a:endParaRPr lang="ru-RU"/>
           </a:p>
@@ -3059,7 +3059,7 @@
           <a:p>
             <a:fld id="{D59E8566-92FA-4791-AD57-2E7D668E1E22}" type="datetimeFigureOut">
               <a:rPr lang="ru-RU" smtClean="0"/>
-              <a:t>27.06.2024</a:t>
+              <a:t>09.05.2025</a:t>
             </a:fld>
             <a:endParaRPr lang="ru-RU"/>
           </a:p>
@@ -3239,7 +3239,7 @@
           <a:p>
             <a:fld id="{D59E8566-92FA-4791-AD57-2E7D668E1E22}" type="datetimeFigureOut">
               <a:rPr lang="ru-RU" smtClean="0"/>
-              <a:t>27.06.2024</a:t>
+              <a:t>09.05.2025</a:t>
             </a:fld>
             <a:endParaRPr lang="ru-RU"/>
           </a:p>
@@ -3409,7 +3409,7 @@
           <a:p>
             <a:fld id="{D59E8566-92FA-4791-AD57-2E7D668E1E22}" type="datetimeFigureOut">
               <a:rPr lang="ru-RU" smtClean="0"/>
-              <a:t>27.06.2024</a:t>
+              <a:t>09.05.2025</a:t>
             </a:fld>
             <a:endParaRPr lang="ru-RU"/>
           </a:p>
@@ -3656,7 +3656,7 @@
           <a:p>
             <a:fld id="{D59E8566-92FA-4791-AD57-2E7D668E1E22}" type="datetimeFigureOut">
               <a:rPr lang="ru-RU" smtClean="0"/>
-              <a:t>27.06.2024</a:t>
+              <a:t>09.05.2025</a:t>
             </a:fld>
             <a:endParaRPr lang="ru-RU"/>
           </a:p>
@@ -3948,7 +3948,7 @@
           <a:p>
             <a:fld id="{D59E8566-92FA-4791-AD57-2E7D668E1E22}" type="datetimeFigureOut">
               <a:rPr lang="ru-RU" smtClean="0"/>
-              <a:t>27.06.2024</a:t>
+              <a:t>09.05.2025</a:t>
             </a:fld>
             <a:endParaRPr lang="ru-RU"/>
           </a:p>
@@ -4392,7 +4392,7 @@
           <a:p>
             <a:fld id="{D59E8566-92FA-4791-AD57-2E7D668E1E22}" type="datetimeFigureOut">
               <a:rPr lang="ru-RU" smtClean="0"/>
-              <a:t>27.06.2024</a:t>
+              <a:t>09.05.2025</a:t>
             </a:fld>
             <a:endParaRPr lang="ru-RU"/>
           </a:p>
@@ -4510,7 +4510,7 @@
           <a:p>
             <a:fld id="{D59E8566-92FA-4791-AD57-2E7D668E1E22}" type="datetimeFigureOut">
               <a:rPr lang="ru-RU" smtClean="0"/>
-              <a:t>27.06.2024</a:t>
+              <a:t>09.05.2025</a:t>
             </a:fld>
             <a:endParaRPr lang="ru-RU"/>
           </a:p>
@@ -4605,7 +4605,7 @@
           <a:p>
             <a:fld id="{D59E8566-92FA-4791-AD57-2E7D668E1E22}" type="datetimeFigureOut">
               <a:rPr lang="ru-RU" smtClean="0"/>
-              <a:t>27.06.2024</a:t>
+              <a:t>09.05.2025</a:t>
             </a:fld>
             <a:endParaRPr lang="ru-RU"/>
           </a:p>
@@ -4884,7 +4884,7 @@
           <a:p>
             <a:fld id="{D59E8566-92FA-4791-AD57-2E7D668E1E22}" type="datetimeFigureOut">
               <a:rPr lang="ru-RU" smtClean="0"/>
-              <a:t>27.06.2024</a:t>
+              <a:t>09.05.2025</a:t>
             </a:fld>
             <a:endParaRPr lang="ru-RU"/>
           </a:p>
@@ -5159,7 +5159,7 @@
           <a:p>
             <a:fld id="{D59E8566-92FA-4791-AD57-2E7D668E1E22}" type="datetimeFigureOut">
               <a:rPr lang="ru-RU" smtClean="0"/>
-              <a:t>27.06.2024</a:t>
+              <a:t>09.05.2025</a:t>
             </a:fld>
             <a:endParaRPr lang="ru-RU"/>
           </a:p>
@@ -5588,7 +5588,7 @@
           <a:p>
             <a:fld id="{D59E8566-92FA-4791-AD57-2E7D668E1E22}" type="datetimeFigureOut">
               <a:rPr lang="ru-RU" smtClean="0"/>
-              <a:t>27.06.2024</a:t>
+              <a:t>09.05.2025</a:t>
             </a:fld>
             <a:endParaRPr lang="ru-RU"/>
           </a:p>
@@ -6169,41 +6169,6 @@
           </a:p>
         </p:txBody>
       </p:sp>
-      <p:sp>
-        <p:nvSpPr>
-          <p:cNvPr id="4" name="TextBox 3">
-            <a:extLst>
-              <a:ext uri="{FF2B5EF4-FFF2-40B4-BE49-F238E27FC236}">
-                <a16:creationId xmlns:a16="http://schemas.microsoft.com/office/drawing/2014/main" id="{CC2D70C4-711E-49E1-BBA1-E82993B57866}"/>
-              </a:ext>
-            </a:extLst>
-          </p:cNvPr>
-          <p:cNvSpPr txBox="1"/>
-          <p:nvPr/>
-        </p:nvSpPr>
-        <p:spPr>
-          <a:xfrm>
-            <a:off x="9974094" y="6180306"/>
-            <a:ext cx="1936857" cy="369332"/>
-          </a:xfrm>
-          <a:prstGeom prst="rect">
-            <a:avLst/>
-          </a:prstGeom>
-          <a:noFill/>
-        </p:spPr>
-        <p:txBody>
-          <a:bodyPr wrap="square" rtlCol="0">
-            <a:spAutoFit/>
-          </a:bodyPr>
-          <a:lstStyle/>
-          <a:p>
-            <a:r>
-              <a:rPr lang="ru-RU" dirty="0"/>
-              <a:t>Морозов В.Х.</a:t>
-            </a:r>
-          </a:p>
-        </p:txBody>
-      </p:sp>
     </p:spTree>
     <p:extLst>
       <p:ext uri="{BB962C8B-B14F-4D97-AF65-F5344CB8AC3E}">
